--- a/рубеж 4/компаратор.pptx
+++ b/рубеж 4/компаратор.pptx
@@ -113,6 +113,11 @@
       </a:defRPr>
     </a:lvl9pPr>
   </p:defaultTextStyle>
+  <p:extLst>
+    <p:ext uri="{EFAFB233-063F-42B5-8137-9DF3F51BA10A}">
+      <p15:sldGuideLst xmlns:p15="http://schemas.microsoft.com/office/powerpoint/2012/main"/>
+    </p:ext>
+  </p:extLst>
 </p:presentation>
 </file>
 
@@ -3265,11 +3270,7 @@
             <a:pPr algn="ctr"/>
             <a:r>
               <a:rPr lang="ru-RU" dirty="0" smtClean="0"/>
-              <a:t>Построим </a:t>
-            </a:r>
-            <a:r>
-              <a:rPr lang="ru-RU" dirty="0" smtClean="0"/>
-              <a:t>модель цифрового компаратора на логических элементах</a:t>
+              <a:t>Построим модель цифрового компаратора на логических элементах</a:t>
             </a:r>
             <a:endParaRPr lang="ru-RU" dirty="0"/>
           </a:p>
@@ -3313,19 +3314,11 @@
             <a:pPr algn="ctr"/>
             <a:r>
               <a:rPr lang="ru-RU" dirty="0" smtClean="0"/>
-              <a:t>«Исключающее ИЛИ» берем </a:t>
-            </a:r>
-            <a:r>
-              <a:rPr lang="ru-RU" dirty="0" smtClean="0"/>
-              <a:t>из вкладки </a:t>
+              <a:t>«Исключающее ИЛИ» берем из вкладки </a:t>
             </a:r>
             <a:r>
               <a:rPr lang="en-US" dirty="0" smtClean="0"/>
-              <a:t>Gates </a:t>
-            </a:r>
-            <a:r>
-              <a:rPr lang="en-US" dirty="0" smtClean="0"/>
-              <a:t>– </a:t>
+              <a:t>Gates – </a:t>
             </a:r>
             <a:r>
               <a:rPr lang="en-US" dirty="0" err="1" smtClean="0"/>
@@ -3645,11 +3638,7 @@
             <a:pPr algn="ctr"/>
             <a:r>
               <a:rPr lang="ru-RU" dirty="0" smtClean="0"/>
-              <a:t>Индикатор </a:t>
-            </a:r>
-            <a:r>
-              <a:rPr lang="ru-RU" dirty="0" smtClean="0"/>
-              <a:t>берем из вкладки </a:t>
+              <a:t>Индикатор берем из вкладки </a:t>
             </a:r>
             <a:r>
               <a:rPr lang="en-US" dirty="0" smtClean="0"/>
@@ -3697,23 +3686,11 @@
             <a:pPr algn="ctr"/>
             <a:r>
               <a:rPr lang="ru-RU" dirty="0" smtClean="0"/>
-              <a:t>«ИЛИ НЕ» берем </a:t>
-            </a:r>
-            <a:r>
-              <a:rPr lang="ru-RU" dirty="0" smtClean="0"/>
-              <a:t>из вкладки </a:t>
+              <a:t>«ИЛИ НЕ» берем из вкладки </a:t>
             </a:r>
             <a:r>
               <a:rPr lang="en-US" dirty="0" smtClean="0"/>
-              <a:t>Logic ICs </a:t>
-            </a:r>
-            <a:r>
-              <a:rPr lang="en-US" dirty="0" smtClean="0"/>
-              <a:t>– </a:t>
-            </a:r>
-            <a:r>
-              <a:rPr lang="en-US" dirty="0" smtClean="0"/>
-              <a:t>Gates</a:t>
+              <a:t>Logic ICs – Gates</a:t>
             </a:r>
             <a:endParaRPr lang="ru-RU" dirty="0"/>
           </a:p>
@@ -3883,11 +3860,7 @@
             <a:pPr algn="ctr"/>
             <a:r>
               <a:rPr lang="ru-RU" dirty="0" smtClean="0"/>
-              <a:t>Получили </a:t>
-            </a:r>
-            <a:r>
-              <a:rPr lang="ru-RU" dirty="0" smtClean="0"/>
-              <a:t>модель цифрового компаратора</a:t>
+              <a:t>Получили модель цифрового компаратора</a:t>
             </a:r>
             <a:endParaRPr lang="ru-RU" dirty="0"/>
           </a:p>
@@ -4618,8 +4591,8 @@
           </a:p>
         </p:txBody>
       </p:sp>
-      <mc:AlternateContent xmlns:mc="http://schemas.openxmlformats.org/markup-compatibility/2006">
-        <mc:Choice xmlns:a14="http://schemas.microsoft.com/office/drawing/2010/main" Requires="a14">
+      <mc:AlternateContent xmlns:mc="http://schemas.openxmlformats.org/markup-compatibility/2006" xmlns:a14="http://schemas.microsoft.com/office/drawing/2010/main">
+        <mc:Choice Requires="a14">
           <p:sp>
             <p:nvSpPr>
               <p:cNvPr id="10" name="Прямоугольник 9"/>
@@ -4683,7 +4656,7 @@
             </p:txBody>
           </p:sp>
         </mc:Choice>
-        <mc:Fallback>
+        <mc:Fallback xmlns="">
           <p:sp>
             <p:nvSpPr>
               <p:cNvPr id="10" name="Прямоугольник 9"/>
@@ -4727,8 +4700,8 @@
           </p:sp>
         </mc:Fallback>
       </mc:AlternateContent>
-      <mc:AlternateContent xmlns:mc="http://schemas.openxmlformats.org/markup-compatibility/2006">
-        <mc:Choice xmlns:a14="http://schemas.microsoft.com/office/drawing/2010/main" Requires="a14">
+      <mc:AlternateContent xmlns:mc="http://schemas.openxmlformats.org/markup-compatibility/2006" xmlns:a14="http://schemas.microsoft.com/office/drawing/2010/main">
+        <mc:Choice Requires="a14">
           <p:sp>
             <p:nvSpPr>
               <p:cNvPr id="11" name="Прямоугольник 10"/>
@@ -4792,7 +4765,7 @@
             </p:txBody>
           </p:sp>
         </mc:Choice>
-        <mc:Fallback>
+        <mc:Fallback xmlns="">
           <p:sp>
             <p:nvSpPr>
               <p:cNvPr id="11" name="Прямоугольник 10"/>
@@ -4979,8 +4952,8 @@
           </a:p>
         </p:txBody>
       </p:sp>
-      <mc:AlternateContent xmlns:mc="http://schemas.openxmlformats.org/markup-compatibility/2006">
-        <mc:Choice xmlns:a14="http://schemas.microsoft.com/office/drawing/2010/main" Requires="a14">
+      <mc:AlternateContent xmlns:mc="http://schemas.openxmlformats.org/markup-compatibility/2006" xmlns:a14="http://schemas.microsoft.com/office/drawing/2010/main">
+        <mc:Choice Requires="a14">
           <p:sp>
             <p:nvSpPr>
               <p:cNvPr id="15" name="Прямоугольник 14"/>
@@ -5045,7 +5018,7 @@
             </p:txBody>
           </p:sp>
         </mc:Choice>
-        <mc:Fallback>
+        <mc:Fallback xmlns="">
           <p:sp>
             <p:nvSpPr>
               <p:cNvPr id="15" name="Прямоугольник 14"/>

--- a/рубеж 4/компаратор.pptx
+++ b/рубеж 4/компаратор.pptx
@@ -252,7 +252,7 @@
           <a:p>
             <a:fld id="{30DD5871-5B66-4261-AB05-7CAE4E22C625}" type="datetimeFigureOut">
               <a:rPr lang="ru-RU" smtClean="0"/>
-              <a:t>16.05.2021</a:t>
+              <a:t>17.05.2021</a:t>
             </a:fld>
             <a:endParaRPr lang="ru-RU"/>
           </a:p>
@@ -422,7 +422,7 @@
           <a:p>
             <a:fld id="{30DD5871-5B66-4261-AB05-7CAE4E22C625}" type="datetimeFigureOut">
               <a:rPr lang="ru-RU" smtClean="0"/>
-              <a:t>16.05.2021</a:t>
+              <a:t>17.05.2021</a:t>
             </a:fld>
             <a:endParaRPr lang="ru-RU"/>
           </a:p>
@@ -602,7 +602,7 @@
           <a:p>
             <a:fld id="{30DD5871-5B66-4261-AB05-7CAE4E22C625}" type="datetimeFigureOut">
               <a:rPr lang="ru-RU" smtClean="0"/>
-              <a:t>16.05.2021</a:t>
+              <a:t>17.05.2021</a:t>
             </a:fld>
             <a:endParaRPr lang="ru-RU"/>
           </a:p>
@@ -772,7 +772,7 @@
           <a:p>
             <a:fld id="{30DD5871-5B66-4261-AB05-7CAE4E22C625}" type="datetimeFigureOut">
               <a:rPr lang="ru-RU" smtClean="0"/>
-              <a:t>16.05.2021</a:t>
+              <a:t>17.05.2021</a:t>
             </a:fld>
             <a:endParaRPr lang="ru-RU"/>
           </a:p>
@@ -1018,7 +1018,7 @@
           <a:p>
             <a:fld id="{30DD5871-5B66-4261-AB05-7CAE4E22C625}" type="datetimeFigureOut">
               <a:rPr lang="ru-RU" smtClean="0"/>
-              <a:t>16.05.2021</a:t>
+              <a:t>17.05.2021</a:t>
             </a:fld>
             <a:endParaRPr lang="ru-RU"/>
           </a:p>
@@ -1250,7 +1250,7 @@
           <a:p>
             <a:fld id="{30DD5871-5B66-4261-AB05-7CAE4E22C625}" type="datetimeFigureOut">
               <a:rPr lang="ru-RU" smtClean="0"/>
-              <a:t>16.05.2021</a:t>
+              <a:t>17.05.2021</a:t>
             </a:fld>
             <a:endParaRPr lang="ru-RU"/>
           </a:p>
@@ -1617,7 +1617,7 @@
           <a:p>
             <a:fld id="{30DD5871-5B66-4261-AB05-7CAE4E22C625}" type="datetimeFigureOut">
               <a:rPr lang="ru-RU" smtClean="0"/>
-              <a:t>16.05.2021</a:t>
+              <a:t>17.05.2021</a:t>
             </a:fld>
             <a:endParaRPr lang="ru-RU"/>
           </a:p>
@@ -1735,7 +1735,7 @@
           <a:p>
             <a:fld id="{30DD5871-5B66-4261-AB05-7CAE4E22C625}" type="datetimeFigureOut">
               <a:rPr lang="ru-RU" smtClean="0"/>
-              <a:t>16.05.2021</a:t>
+              <a:t>17.05.2021</a:t>
             </a:fld>
             <a:endParaRPr lang="ru-RU"/>
           </a:p>
@@ -1830,7 +1830,7 @@
           <a:p>
             <a:fld id="{30DD5871-5B66-4261-AB05-7CAE4E22C625}" type="datetimeFigureOut">
               <a:rPr lang="ru-RU" smtClean="0"/>
-              <a:t>16.05.2021</a:t>
+              <a:t>17.05.2021</a:t>
             </a:fld>
             <a:endParaRPr lang="ru-RU"/>
           </a:p>
@@ -2107,7 +2107,7 @@
           <a:p>
             <a:fld id="{30DD5871-5B66-4261-AB05-7CAE4E22C625}" type="datetimeFigureOut">
               <a:rPr lang="ru-RU" smtClean="0"/>
-              <a:t>16.05.2021</a:t>
+              <a:t>17.05.2021</a:t>
             </a:fld>
             <a:endParaRPr lang="ru-RU"/>
           </a:p>
@@ -2360,7 +2360,7 @@
           <a:p>
             <a:fld id="{30DD5871-5B66-4261-AB05-7CAE4E22C625}" type="datetimeFigureOut">
               <a:rPr lang="ru-RU" smtClean="0"/>
-              <a:t>16.05.2021</a:t>
+              <a:t>17.05.2021</a:t>
             </a:fld>
             <a:endParaRPr lang="ru-RU"/>
           </a:p>
@@ -2573,7 +2573,7 @@
           <a:p>
             <a:fld id="{30DD5871-5B66-4261-AB05-7CAE4E22C625}" type="datetimeFigureOut">
               <a:rPr lang="ru-RU" smtClean="0"/>
-              <a:t>16.05.2021</a:t>
+              <a:t>17.05.2021</a:t>
             </a:fld>
             <a:endParaRPr lang="ru-RU"/>
           </a:p>
